--- a/UIScrollView/UIScrollView.pptx
+++ b/UIScrollView/UIScrollView.pptx
@@ -6,19 +6,18 @@
   </p:sldMasterIdLst>
   <p:sldIdLst>
     <p:sldId id="256" r:id="rId2"/>
-    <p:sldId id="257" r:id="rId3"/>
-    <p:sldId id="258" r:id="rId4"/>
-    <p:sldId id="259" r:id="rId5"/>
-    <p:sldId id="260" r:id="rId6"/>
-    <p:sldId id="261" r:id="rId7"/>
-    <p:sldId id="262" r:id="rId8"/>
-    <p:sldId id="263" r:id="rId9"/>
-    <p:sldId id="264" r:id="rId10"/>
-    <p:sldId id="265" r:id="rId11"/>
-    <p:sldId id="266" r:id="rId12"/>
-    <p:sldId id="267" r:id="rId13"/>
-    <p:sldId id="268" r:id="rId14"/>
-    <p:sldId id="269" r:id="rId15"/>
+    <p:sldId id="258" r:id="rId3"/>
+    <p:sldId id="259" r:id="rId4"/>
+    <p:sldId id="260" r:id="rId5"/>
+    <p:sldId id="261" r:id="rId6"/>
+    <p:sldId id="262" r:id="rId7"/>
+    <p:sldId id="263" r:id="rId8"/>
+    <p:sldId id="264" r:id="rId9"/>
+    <p:sldId id="265" r:id="rId10"/>
+    <p:sldId id="266" r:id="rId11"/>
+    <p:sldId id="267" r:id="rId12"/>
+    <p:sldId id="268" r:id="rId13"/>
+    <p:sldId id="269" r:id="rId14"/>
   </p:sldIdLst>
   <p:sldSz cx="12192000" cy="6858000"/>
   <p:notesSz cx="6858000" cy="9144000"/>
@@ -5805,274 +5804,6 @@
                 <a:latin typeface="Arial" panose="020B0604020202020204" pitchFamily="34" charset="0"/>
                 <a:cs typeface="Arial" panose="020B0604020202020204" pitchFamily="34" charset="0"/>
               </a:rPr>
-              <a:t>Thiết</a:t>
-            </a:r>
-            <a:r>
-              <a:rPr lang="en-US" dirty="0">
-                <a:latin typeface="Arial" panose="020B0604020202020204" pitchFamily="34" charset="0"/>
-                <a:cs typeface="Arial" panose="020B0604020202020204" pitchFamily="34" charset="0"/>
-              </a:rPr>
-              <a:t> </a:t>
-            </a:r>
-            <a:r>
-              <a:rPr lang="en-US" dirty="0" err="1">
-                <a:latin typeface="Arial" panose="020B0604020202020204" pitchFamily="34" charset="0"/>
-                <a:cs typeface="Arial" panose="020B0604020202020204" pitchFamily="34" charset="0"/>
-              </a:rPr>
-              <a:t>lập</a:t>
-            </a:r>
-            <a:r>
-              <a:rPr lang="en-US" dirty="0">
-                <a:latin typeface="Arial" panose="020B0604020202020204" pitchFamily="34" charset="0"/>
-                <a:cs typeface="Arial" panose="020B0604020202020204" pitchFamily="34" charset="0"/>
-              </a:rPr>
-              <a:t> </a:t>
-            </a:r>
-            <a:r>
-              <a:rPr lang="en-US" dirty="0" err="1">
-                <a:latin typeface="Arial" panose="020B0604020202020204" pitchFamily="34" charset="0"/>
-                <a:cs typeface="Arial" panose="020B0604020202020204" pitchFamily="34" charset="0"/>
-              </a:rPr>
-              <a:t>trên</a:t>
-            </a:r>
-            <a:r>
-              <a:rPr lang="en-US" dirty="0">
-                <a:latin typeface="Arial" panose="020B0604020202020204" pitchFamily="34" charset="0"/>
-                <a:cs typeface="Arial" panose="020B0604020202020204" pitchFamily="34" charset="0"/>
-              </a:rPr>
-              <a:t> </a:t>
-            </a:r>
-            <a:r>
-              <a:rPr lang="en-US" dirty="0" err="1">
-                <a:latin typeface="Arial" panose="020B0604020202020204" pitchFamily="34" charset="0"/>
-                <a:cs typeface="Arial" panose="020B0604020202020204" pitchFamily="34" charset="0"/>
-              </a:rPr>
-              <a:t>giao</a:t>
-            </a:r>
-            <a:r>
-              <a:rPr lang="en-US" dirty="0">
-                <a:latin typeface="Arial" panose="020B0604020202020204" pitchFamily="34" charset="0"/>
-                <a:cs typeface="Arial" panose="020B0604020202020204" pitchFamily="34" charset="0"/>
-              </a:rPr>
-              <a:t> </a:t>
-            </a:r>
-            <a:r>
-              <a:rPr lang="en-US" dirty="0" err="1">
-                <a:latin typeface="Arial" panose="020B0604020202020204" pitchFamily="34" charset="0"/>
-                <a:cs typeface="Arial" panose="020B0604020202020204" pitchFamily="34" charset="0"/>
-              </a:rPr>
-              <a:t>diện</a:t>
-            </a:r>
-            <a:endParaRPr lang="en-US" dirty="0">
-              <a:latin typeface="Arial" panose="020B0604020202020204" pitchFamily="34" charset="0"/>
-              <a:cs typeface="Arial" panose="020B0604020202020204" pitchFamily="34" charset="0"/>
-            </a:endParaRPr>
-          </a:p>
-        </p:txBody>
-      </p:sp>
-      <p:sp>
-        <p:nvSpPr>
-          <p:cNvPr id="4" name="Content Placeholder 3">
-            <a:extLst>
-              <a:ext uri="{FF2B5EF4-FFF2-40B4-BE49-F238E27FC236}">
-                <a16:creationId xmlns:a16="http://schemas.microsoft.com/office/drawing/2014/main" id="{44791E79-EC0B-954C-8A8C-EEFDDC92BEC0}"/>
-              </a:ext>
-            </a:extLst>
-          </p:cNvPr>
-          <p:cNvSpPr>
-            <a:spLocks noGrp="1"/>
-          </p:cNvSpPr>
-          <p:nvPr>
-            <p:ph idx="1"/>
-          </p:nvPr>
-        </p:nvSpPr>
-        <p:spPr/>
-        <p:txBody>
-          <a:bodyPr/>
-          <a:lstStyle/>
-          <a:p>
-            <a:r>
-              <a:rPr lang="en-US" dirty="0" err="1">
-                <a:latin typeface="Arial" panose="020B0604020202020204" pitchFamily="34" charset="0"/>
-                <a:cs typeface="Arial" panose="020B0604020202020204" pitchFamily="34" charset="0"/>
-              </a:rPr>
-              <a:t>Chỉnh</a:t>
-            </a:r>
-            <a:r>
-              <a:rPr lang="en-US" dirty="0">
-                <a:latin typeface="Arial" panose="020B0604020202020204" pitchFamily="34" charset="0"/>
-                <a:cs typeface="Arial" panose="020B0604020202020204" pitchFamily="34" charset="0"/>
-              </a:rPr>
-              <a:t> </a:t>
-            </a:r>
-            <a:r>
-              <a:rPr lang="en-US" dirty="0" err="1">
-                <a:latin typeface="Arial" panose="020B0604020202020204" pitchFamily="34" charset="0"/>
-                <a:cs typeface="Arial" panose="020B0604020202020204" pitchFamily="34" charset="0"/>
-              </a:rPr>
-              <a:t>mức</a:t>
-            </a:r>
-            <a:r>
-              <a:rPr lang="en-US" dirty="0">
-                <a:latin typeface="Arial" panose="020B0604020202020204" pitchFamily="34" charset="0"/>
-                <a:cs typeface="Arial" panose="020B0604020202020204" pitchFamily="34" charset="0"/>
-              </a:rPr>
-              <a:t> </a:t>
-            </a:r>
-            <a:r>
-              <a:rPr lang="en-US" dirty="0" err="1">
-                <a:latin typeface="Arial" panose="020B0604020202020204" pitchFamily="34" charset="0"/>
-                <a:cs typeface="Arial" panose="020B0604020202020204" pitchFamily="34" charset="0"/>
-              </a:rPr>
-              <a:t>độ</a:t>
-            </a:r>
-            <a:r>
-              <a:rPr lang="en-US" dirty="0">
-                <a:latin typeface="Arial" panose="020B0604020202020204" pitchFamily="34" charset="0"/>
-                <a:cs typeface="Arial" panose="020B0604020202020204" pitchFamily="34" charset="0"/>
-              </a:rPr>
-              <a:t> </a:t>
-            </a:r>
-            <a:r>
-              <a:rPr lang="en-US" dirty="0" err="1">
-                <a:latin typeface="Arial" panose="020B0604020202020204" pitchFamily="34" charset="0"/>
-                <a:cs typeface="Arial" panose="020B0604020202020204" pitchFamily="34" charset="0"/>
-              </a:rPr>
-              <a:t>ưu</a:t>
-            </a:r>
-            <a:r>
-              <a:rPr lang="en-US" dirty="0">
-                <a:latin typeface="Arial" panose="020B0604020202020204" pitchFamily="34" charset="0"/>
-                <a:cs typeface="Arial" panose="020B0604020202020204" pitchFamily="34" charset="0"/>
-              </a:rPr>
-              <a:t> </a:t>
-            </a:r>
-            <a:r>
-              <a:rPr lang="en-US" dirty="0" err="1">
-                <a:latin typeface="Arial" panose="020B0604020202020204" pitchFamily="34" charset="0"/>
-                <a:cs typeface="Arial" panose="020B0604020202020204" pitchFamily="34" charset="0"/>
-              </a:rPr>
-              <a:t>tiên</a:t>
-            </a:r>
-            <a:endParaRPr lang="en-US" dirty="0">
-              <a:latin typeface="Arial" panose="020B0604020202020204" pitchFamily="34" charset="0"/>
-              <a:cs typeface="Arial" panose="020B0604020202020204" pitchFamily="34" charset="0"/>
-            </a:endParaRPr>
-          </a:p>
-          <a:p>
-            <a:pPr marL="0" indent="0">
-              <a:buNone/>
-            </a:pPr>
-            <a:r>
-              <a:rPr lang="en-US" dirty="0">
-                <a:latin typeface="Arial" panose="020B0604020202020204" pitchFamily="34" charset="0"/>
-                <a:cs typeface="Arial" panose="020B0604020202020204" pitchFamily="34" charset="0"/>
-              </a:rPr>
-              <a:t> </a:t>
-            </a:r>
-            <a:r>
-              <a:rPr lang="en-US" dirty="0" err="1">
-                <a:latin typeface="Arial" panose="020B0604020202020204" pitchFamily="34" charset="0"/>
-                <a:cs typeface="Arial" panose="020B0604020202020204" pitchFamily="34" charset="0"/>
-              </a:rPr>
-              <a:t>xuống</a:t>
-            </a:r>
-            <a:r>
-              <a:rPr lang="en-US" dirty="0">
-                <a:latin typeface="Arial" panose="020B0604020202020204" pitchFamily="34" charset="0"/>
-                <a:cs typeface="Arial" panose="020B0604020202020204" pitchFamily="34" charset="0"/>
-              </a:rPr>
-              <a:t> 250</a:t>
-            </a:r>
-          </a:p>
-        </p:txBody>
-      </p:sp>
-      <p:pic>
-        <p:nvPicPr>
-          <p:cNvPr id="8" name="Picture 7">
-            <a:extLst>
-              <a:ext uri="{FF2B5EF4-FFF2-40B4-BE49-F238E27FC236}">
-                <a16:creationId xmlns:a16="http://schemas.microsoft.com/office/drawing/2014/main" id="{9B618E86-4846-E84F-B0CF-7BE87F65B02E}"/>
-              </a:ext>
-            </a:extLst>
-          </p:cNvPr>
-          <p:cNvPicPr>
-            <a:picLocks noChangeAspect="1"/>
-          </p:cNvPicPr>
-          <p:nvPr/>
-        </p:nvPicPr>
-        <p:blipFill>
-          <a:blip r:embed="rId2"/>
-          <a:stretch>
-            <a:fillRect/>
-          </a:stretch>
-        </p:blipFill>
-        <p:spPr>
-          <a:xfrm>
-            <a:off x="5486399" y="2194560"/>
-            <a:ext cx="5057423" cy="4601840"/>
-          </a:xfrm>
-          <a:prstGeom prst="rect">
-            <a:avLst/>
-          </a:prstGeom>
-        </p:spPr>
-      </p:pic>
-    </p:spTree>
-    <p:extLst>
-      <p:ext uri="{BB962C8B-B14F-4D97-AF65-F5344CB8AC3E}">
-        <p14:creationId xmlns:p14="http://schemas.microsoft.com/office/powerpoint/2010/main" val="4061877919"/>
-      </p:ext>
-    </p:extLst>
-  </p:cSld>
-  <p:clrMapOvr>
-    <a:masterClrMapping/>
-  </p:clrMapOvr>
-</p:sld>
-</file>
-
-<file path=ppt/slides/slide11.xml><?xml version="1.0" encoding="utf-8"?>
-<p:sld xmlns:a="http://schemas.openxmlformats.org/drawingml/2006/main" xmlns:r="http://schemas.openxmlformats.org/officeDocument/2006/relationships" xmlns:p="http://schemas.openxmlformats.org/presentationml/2006/main">
-  <p:cSld>
-    <p:spTree>
-      <p:nvGrpSpPr>
-        <p:cNvPr id="1" name=""/>
-        <p:cNvGrpSpPr/>
-        <p:nvPr/>
-      </p:nvGrpSpPr>
-      <p:grpSpPr>
-        <a:xfrm>
-          <a:off x="0" y="0"/>
-          <a:ext cx="0" cy="0"/>
-          <a:chOff x="0" y="0"/>
-          <a:chExt cx="0" cy="0"/>
-        </a:xfrm>
-      </p:grpSpPr>
-      <p:sp>
-        <p:nvSpPr>
-          <p:cNvPr id="2" name="Title 1">
-            <a:extLst>
-              <a:ext uri="{FF2B5EF4-FFF2-40B4-BE49-F238E27FC236}">
-                <a16:creationId xmlns:a16="http://schemas.microsoft.com/office/drawing/2014/main" id="{FDE17A20-EBC8-DE42-AEF7-5ED042AC899E}"/>
-              </a:ext>
-            </a:extLst>
-          </p:cNvPr>
-          <p:cNvSpPr>
-            <a:spLocks noGrp="1"/>
-          </p:cNvSpPr>
-          <p:nvPr>
-            <p:ph type="title"/>
-          </p:nvPr>
-        </p:nvSpPr>
-        <p:spPr/>
-        <p:txBody>
-          <a:bodyPr/>
-          <a:lstStyle/>
-          <a:p>
-            <a:r>
-              <a:rPr lang="en-US" dirty="0" err="1">
-                <a:latin typeface="Arial" panose="020B0604020202020204" pitchFamily="34" charset="0"/>
-                <a:cs typeface="Arial" panose="020B0604020202020204" pitchFamily="34" charset="0"/>
-              </a:rPr>
               <a:t>Các</a:t>
             </a:r>
             <a:r>
@@ -6189,7 +5920,7 @@
 </p:sld>
 </file>
 
-<file path=ppt/slides/slide12.xml><?xml version="1.0" encoding="utf-8"?>
+<file path=ppt/slides/slide11.xml><?xml version="1.0" encoding="utf-8"?>
 <p:sld xmlns:a="http://schemas.openxmlformats.org/drawingml/2006/main" xmlns:r="http://schemas.openxmlformats.org/officeDocument/2006/relationships" xmlns:p="http://schemas.openxmlformats.org/presentationml/2006/main">
   <p:cSld>
     <p:spTree>
@@ -6547,7 +6278,7 @@
 </p:sld>
 </file>
 
-<file path=ppt/slides/slide13.xml><?xml version="1.0" encoding="utf-8"?>
+<file path=ppt/slides/slide12.xml><?xml version="1.0" encoding="utf-8"?>
 <p:sld xmlns:a="http://schemas.openxmlformats.org/drawingml/2006/main" xmlns:r="http://schemas.openxmlformats.org/officeDocument/2006/relationships" xmlns:p="http://schemas.openxmlformats.org/presentationml/2006/main">
   <p:cSld>
     <p:spTree>
@@ -6942,7 +6673,7 @@
 </p:sld>
 </file>
 
-<file path=ppt/slides/slide14.xml><?xml version="1.0" encoding="utf-8"?>
+<file path=ppt/slides/slide13.xml><?xml version="1.0" encoding="utf-8"?>
 <p:sld xmlns:a="http://schemas.openxmlformats.org/drawingml/2006/main" xmlns:r="http://schemas.openxmlformats.org/officeDocument/2006/relationships" xmlns:p="http://schemas.openxmlformats.org/presentationml/2006/main">
   <p:cSld>
     <p:spTree>
@@ -7177,116 +6908,6 @@
 </file>
 
 <file path=ppt/slides/slide2.xml><?xml version="1.0" encoding="utf-8"?>
-<p:sld xmlns:a="http://schemas.openxmlformats.org/drawingml/2006/main" xmlns:r="http://schemas.openxmlformats.org/officeDocument/2006/relationships" xmlns:p="http://schemas.openxmlformats.org/presentationml/2006/main">
-  <p:cSld>
-    <p:spTree>
-      <p:nvGrpSpPr>
-        <p:cNvPr id="1" name=""/>
-        <p:cNvGrpSpPr/>
-        <p:nvPr/>
-      </p:nvGrpSpPr>
-      <p:grpSpPr>
-        <a:xfrm>
-          <a:off x="0" y="0"/>
-          <a:ext cx="0" cy="0"/>
-          <a:chOff x="0" y="0"/>
-          <a:chExt cx="0" cy="0"/>
-        </a:xfrm>
-      </p:grpSpPr>
-      <p:sp>
-        <p:nvSpPr>
-          <p:cNvPr id="2" name="Title 1">
-            <a:extLst>
-              <a:ext uri="{FF2B5EF4-FFF2-40B4-BE49-F238E27FC236}">
-                <a16:creationId xmlns:a16="http://schemas.microsoft.com/office/drawing/2014/main" id="{FDE17A20-EBC8-DE42-AEF7-5ED042AC899E}"/>
-              </a:ext>
-            </a:extLst>
-          </p:cNvPr>
-          <p:cNvSpPr>
-            <a:spLocks noGrp="1"/>
-          </p:cNvSpPr>
-          <p:nvPr>
-            <p:ph type="title"/>
-          </p:nvPr>
-        </p:nvSpPr>
-        <p:spPr/>
-        <p:txBody>
-          <a:bodyPr/>
-          <a:lstStyle/>
-          <a:p>
-            <a:r>
-              <a:rPr lang="en-US" dirty="0" err="1">
-                <a:latin typeface="Arial" panose="020B0604020202020204" pitchFamily="34" charset="0"/>
-                <a:cs typeface="Arial" panose="020B0604020202020204" pitchFamily="34" charset="0"/>
-              </a:rPr>
-              <a:t>Khi</a:t>
-            </a:r>
-            <a:r>
-              <a:rPr lang="en-US" dirty="0">
-                <a:latin typeface="Arial" panose="020B0604020202020204" pitchFamily="34" charset="0"/>
-                <a:cs typeface="Arial" panose="020B0604020202020204" pitchFamily="34" charset="0"/>
-              </a:rPr>
-              <a:t> </a:t>
-            </a:r>
-            <a:r>
-              <a:rPr lang="en-US" dirty="0" err="1">
-                <a:latin typeface="Arial" panose="020B0604020202020204" pitchFamily="34" charset="0"/>
-                <a:cs typeface="Arial" panose="020B0604020202020204" pitchFamily="34" charset="0"/>
-              </a:rPr>
-              <a:t>nào</a:t>
-            </a:r>
-            <a:r>
-              <a:rPr lang="en-US" dirty="0">
-                <a:latin typeface="Arial" panose="020B0604020202020204" pitchFamily="34" charset="0"/>
-                <a:cs typeface="Arial" panose="020B0604020202020204" pitchFamily="34" charset="0"/>
-              </a:rPr>
-              <a:t>?</a:t>
-            </a:r>
-          </a:p>
-        </p:txBody>
-      </p:sp>
-      <p:sp>
-        <p:nvSpPr>
-          <p:cNvPr id="3" name="Content Placeholder 2">
-            <a:extLst>
-              <a:ext uri="{FF2B5EF4-FFF2-40B4-BE49-F238E27FC236}">
-                <a16:creationId xmlns:a16="http://schemas.microsoft.com/office/drawing/2014/main" id="{2BD61373-1B8E-0E45-BDA8-7C3B44623669}"/>
-              </a:ext>
-            </a:extLst>
-          </p:cNvPr>
-          <p:cNvSpPr>
-            <a:spLocks noGrp="1"/>
-          </p:cNvSpPr>
-          <p:nvPr>
-            <p:ph idx="1"/>
-          </p:nvPr>
-        </p:nvSpPr>
-        <p:spPr/>
-        <p:txBody>
-          <a:bodyPr/>
-          <a:lstStyle/>
-          <a:p>
-            <a:endParaRPr lang="en-US" dirty="0">
-              <a:latin typeface="Arial" panose="020B0604020202020204" pitchFamily="34" charset="0"/>
-              <a:cs typeface="Arial" panose="020B0604020202020204" pitchFamily="34" charset="0"/>
-            </a:endParaRPr>
-          </a:p>
-        </p:txBody>
-      </p:sp>
-    </p:spTree>
-    <p:extLst>
-      <p:ext uri="{BB962C8B-B14F-4D97-AF65-F5344CB8AC3E}">
-        <p14:creationId xmlns:p14="http://schemas.microsoft.com/office/powerpoint/2010/main" val="759255421"/>
-      </p:ext>
-    </p:extLst>
-  </p:cSld>
-  <p:clrMapOvr>
-    <a:masterClrMapping/>
-  </p:clrMapOvr>
-</p:sld>
-</file>
-
-<file path=ppt/slides/slide3.xml><?xml version="1.0" encoding="utf-8"?>
 <p:sld xmlns:a="http://schemas.openxmlformats.org/drawingml/2006/main" xmlns:r="http://schemas.openxmlformats.org/officeDocument/2006/relationships" xmlns:p="http://schemas.openxmlformats.org/presentationml/2006/main">
   <p:cSld>
     <p:spTree>
@@ -7398,7 +7019,7 @@
 </p:sld>
 </file>
 
-<file path=ppt/slides/slide4.xml><?xml version="1.0" encoding="utf-8"?>
+<file path=ppt/slides/slide3.xml><?xml version="1.0" encoding="utf-8"?>
 <p:sld xmlns:a="http://schemas.openxmlformats.org/drawingml/2006/main" xmlns:r="http://schemas.openxmlformats.org/officeDocument/2006/relationships" xmlns:p="http://schemas.openxmlformats.org/presentationml/2006/main">
   <p:cSld>
     <p:spTree>
@@ -7747,7 +7368,7 @@
 </p:sld>
 </file>
 
-<file path=ppt/slides/slide5.xml><?xml version="1.0" encoding="utf-8"?>
+<file path=ppt/slides/slide4.xml><?xml version="1.0" encoding="utf-8"?>
 <p:sld xmlns:a="http://schemas.openxmlformats.org/drawingml/2006/main" xmlns:r="http://schemas.openxmlformats.org/officeDocument/2006/relationships" xmlns:p="http://schemas.openxmlformats.org/presentationml/2006/main">
   <p:cSld>
     <p:spTree>
@@ -7897,7 +7518,7 @@
 </p:sld>
 </file>
 
-<file path=ppt/slides/slide6.xml><?xml version="1.0" encoding="utf-8"?>
+<file path=ppt/slides/slide5.xml><?xml version="1.0" encoding="utf-8"?>
 <p:sld xmlns:a="http://schemas.openxmlformats.org/drawingml/2006/main" xmlns:r="http://schemas.openxmlformats.org/officeDocument/2006/relationships" xmlns:p="http://schemas.openxmlformats.org/presentationml/2006/main">
   <p:cSld>
     <p:spTree>
@@ -8047,7 +7668,7 @@
 </p:sld>
 </file>
 
-<file path=ppt/slides/slide7.xml><?xml version="1.0" encoding="utf-8"?>
+<file path=ppt/slides/slide6.xml><?xml version="1.0" encoding="utf-8"?>
 <p:sld xmlns:a="http://schemas.openxmlformats.org/drawingml/2006/main" xmlns:r="http://schemas.openxmlformats.org/officeDocument/2006/relationships" xmlns:p="http://schemas.openxmlformats.org/presentationml/2006/main">
   <p:cSld>
     <p:spTree>
@@ -8236,7 +7857,7 @@
 </p:sld>
 </file>
 
-<file path=ppt/slides/slide8.xml><?xml version="1.0" encoding="utf-8"?>
+<file path=ppt/slides/slide7.xml><?xml version="1.0" encoding="utf-8"?>
 <p:sld xmlns:a="http://schemas.openxmlformats.org/drawingml/2006/main" xmlns:r="http://schemas.openxmlformats.org/officeDocument/2006/relationships" xmlns:p="http://schemas.openxmlformats.org/presentationml/2006/main">
   <p:cSld>
     <p:spTree>
@@ -8464,7 +8085,7 @@
 </p:sld>
 </file>
 
-<file path=ppt/slides/slide9.xml><?xml version="1.0" encoding="utf-8"?>
+<file path=ppt/slides/slide8.xml><?xml version="1.0" encoding="utf-8"?>
 <p:sld xmlns:a="http://schemas.openxmlformats.org/drawingml/2006/main" xmlns:r="http://schemas.openxmlformats.org/officeDocument/2006/relationships" xmlns:p="http://schemas.openxmlformats.org/presentationml/2006/main">
   <p:cSld>
     <p:spTree>
@@ -8674,6 +8295,274 @@
     <p:extLst>
       <p:ext uri="{BB962C8B-B14F-4D97-AF65-F5344CB8AC3E}">
         <p14:creationId xmlns:p14="http://schemas.microsoft.com/office/powerpoint/2010/main" val="1481816782"/>
+      </p:ext>
+    </p:extLst>
+  </p:cSld>
+  <p:clrMapOvr>
+    <a:masterClrMapping/>
+  </p:clrMapOvr>
+</p:sld>
+</file>
+
+<file path=ppt/slides/slide9.xml><?xml version="1.0" encoding="utf-8"?>
+<p:sld xmlns:a="http://schemas.openxmlformats.org/drawingml/2006/main" xmlns:r="http://schemas.openxmlformats.org/officeDocument/2006/relationships" xmlns:p="http://schemas.openxmlformats.org/presentationml/2006/main">
+  <p:cSld>
+    <p:spTree>
+      <p:nvGrpSpPr>
+        <p:cNvPr id="1" name=""/>
+        <p:cNvGrpSpPr/>
+        <p:nvPr/>
+      </p:nvGrpSpPr>
+      <p:grpSpPr>
+        <a:xfrm>
+          <a:off x="0" y="0"/>
+          <a:ext cx="0" cy="0"/>
+          <a:chOff x="0" y="0"/>
+          <a:chExt cx="0" cy="0"/>
+        </a:xfrm>
+      </p:grpSpPr>
+      <p:sp>
+        <p:nvSpPr>
+          <p:cNvPr id="2" name="Title 1">
+            <a:extLst>
+              <a:ext uri="{FF2B5EF4-FFF2-40B4-BE49-F238E27FC236}">
+                <a16:creationId xmlns:a16="http://schemas.microsoft.com/office/drawing/2014/main" id="{FDE17A20-EBC8-DE42-AEF7-5ED042AC899E}"/>
+              </a:ext>
+            </a:extLst>
+          </p:cNvPr>
+          <p:cNvSpPr>
+            <a:spLocks noGrp="1"/>
+          </p:cNvSpPr>
+          <p:nvPr>
+            <p:ph type="title"/>
+          </p:nvPr>
+        </p:nvSpPr>
+        <p:spPr/>
+        <p:txBody>
+          <a:bodyPr/>
+          <a:lstStyle/>
+          <a:p>
+            <a:r>
+              <a:rPr lang="en-US" dirty="0" err="1">
+                <a:latin typeface="Arial" panose="020B0604020202020204" pitchFamily="34" charset="0"/>
+                <a:cs typeface="Arial" panose="020B0604020202020204" pitchFamily="34" charset="0"/>
+              </a:rPr>
+              <a:t>Thiết</a:t>
+            </a:r>
+            <a:r>
+              <a:rPr lang="en-US" dirty="0">
+                <a:latin typeface="Arial" panose="020B0604020202020204" pitchFamily="34" charset="0"/>
+                <a:cs typeface="Arial" panose="020B0604020202020204" pitchFamily="34" charset="0"/>
+              </a:rPr>
+              <a:t> </a:t>
+            </a:r>
+            <a:r>
+              <a:rPr lang="en-US" dirty="0" err="1">
+                <a:latin typeface="Arial" panose="020B0604020202020204" pitchFamily="34" charset="0"/>
+                <a:cs typeface="Arial" panose="020B0604020202020204" pitchFamily="34" charset="0"/>
+              </a:rPr>
+              <a:t>lập</a:t>
+            </a:r>
+            <a:r>
+              <a:rPr lang="en-US" dirty="0">
+                <a:latin typeface="Arial" panose="020B0604020202020204" pitchFamily="34" charset="0"/>
+                <a:cs typeface="Arial" panose="020B0604020202020204" pitchFamily="34" charset="0"/>
+              </a:rPr>
+              <a:t> </a:t>
+            </a:r>
+            <a:r>
+              <a:rPr lang="en-US" dirty="0" err="1">
+                <a:latin typeface="Arial" panose="020B0604020202020204" pitchFamily="34" charset="0"/>
+                <a:cs typeface="Arial" panose="020B0604020202020204" pitchFamily="34" charset="0"/>
+              </a:rPr>
+              <a:t>trên</a:t>
+            </a:r>
+            <a:r>
+              <a:rPr lang="en-US" dirty="0">
+                <a:latin typeface="Arial" panose="020B0604020202020204" pitchFamily="34" charset="0"/>
+                <a:cs typeface="Arial" panose="020B0604020202020204" pitchFamily="34" charset="0"/>
+              </a:rPr>
+              <a:t> </a:t>
+            </a:r>
+            <a:r>
+              <a:rPr lang="en-US" dirty="0" err="1">
+                <a:latin typeface="Arial" panose="020B0604020202020204" pitchFamily="34" charset="0"/>
+                <a:cs typeface="Arial" panose="020B0604020202020204" pitchFamily="34" charset="0"/>
+              </a:rPr>
+              <a:t>giao</a:t>
+            </a:r>
+            <a:r>
+              <a:rPr lang="en-US" dirty="0">
+                <a:latin typeface="Arial" panose="020B0604020202020204" pitchFamily="34" charset="0"/>
+                <a:cs typeface="Arial" panose="020B0604020202020204" pitchFamily="34" charset="0"/>
+              </a:rPr>
+              <a:t> </a:t>
+            </a:r>
+            <a:r>
+              <a:rPr lang="en-US" dirty="0" err="1">
+                <a:latin typeface="Arial" panose="020B0604020202020204" pitchFamily="34" charset="0"/>
+                <a:cs typeface="Arial" panose="020B0604020202020204" pitchFamily="34" charset="0"/>
+              </a:rPr>
+              <a:t>diện</a:t>
+            </a:r>
+            <a:endParaRPr lang="en-US" dirty="0">
+              <a:latin typeface="Arial" panose="020B0604020202020204" pitchFamily="34" charset="0"/>
+              <a:cs typeface="Arial" panose="020B0604020202020204" pitchFamily="34" charset="0"/>
+            </a:endParaRPr>
+          </a:p>
+        </p:txBody>
+      </p:sp>
+      <p:sp>
+        <p:nvSpPr>
+          <p:cNvPr id="4" name="Content Placeholder 3">
+            <a:extLst>
+              <a:ext uri="{FF2B5EF4-FFF2-40B4-BE49-F238E27FC236}">
+                <a16:creationId xmlns:a16="http://schemas.microsoft.com/office/drawing/2014/main" id="{44791E79-EC0B-954C-8A8C-EEFDDC92BEC0}"/>
+              </a:ext>
+            </a:extLst>
+          </p:cNvPr>
+          <p:cNvSpPr>
+            <a:spLocks noGrp="1"/>
+          </p:cNvSpPr>
+          <p:nvPr>
+            <p:ph idx="1"/>
+          </p:nvPr>
+        </p:nvSpPr>
+        <p:spPr/>
+        <p:txBody>
+          <a:bodyPr/>
+          <a:lstStyle/>
+          <a:p>
+            <a:r>
+              <a:rPr lang="en-US" dirty="0" err="1">
+                <a:latin typeface="Arial" panose="020B0604020202020204" pitchFamily="34" charset="0"/>
+                <a:cs typeface="Arial" panose="020B0604020202020204" pitchFamily="34" charset="0"/>
+              </a:rPr>
+              <a:t>Chỉnh</a:t>
+            </a:r>
+            <a:r>
+              <a:rPr lang="en-US" dirty="0">
+                <a:latin typeface="Arial" panose="020B0604020202020204" pitchFamily="34" charset="0"/>
+                <a:cs typeface="Arial" panose="020B0604020202020204" pitchFamily="34" charset="0"/>
+              </a:rPr>
+              <a:t> </a:t>
+            </a:r>
+            <a:r>
+              <a:rPr lang="en-US" dirty="0" err="1">
+                <a:latin typeface="Arial" panose="020B0604020202020204" pitchFamily="34" charset="0"/>
+                <a:cs typeface="Arial" panose="020B0604020202020204" pitchFamily="34" charset="0"/>
+              </a:rPr>
+              <a:t>mức</a:t>
+            </a:r>
+            <a:r>
+              <a:rPr lang="en-US" dirty="0">
+                <a:latin typeface="Arial" panose="020B0604020202020204" pitchFamily="34" charset="0"/>
+                <a:cs typeface="Arial" panose="020B0604020202020204" pitchFamily="34" charset="0"/>
+              </a:rPr>
+              <a:t> </a:t>
+            </a:r>
+            <a:r>
+              <a:rPr lang="en-US" dirty="0" err="1">
+                <a:latin typeface="Arial" panose="020B0604020202020204" pitchFamily="34" charset="0"/>
+                <a:cs typeface="Arial" panose="020B0604020202020204" pitchFamily="34" charset="0"/>
+              </a:rPr>
+              <a:t>độ</a:t>
+            </a:r>
+            <a:r>
+              <a:rPr lang="en-US" dirty="0">
+                <a:latin typeface="Arial" panose="020B0604020202020204" pitchFamily="34" charset="0"/>
+                <a:cs typeface="Arial" panose="020B0604020202020204" pitchFamily="34" charset="0"/>
+              </a:rPr>
+              <a:t> </a:t>
+            </a:r>
+            <a:r>
+              <a:rPr lang="en-US" dirty="0" err="1">
+                <a:latin typeface="Arial" panose="020B0604020202020204" pitchFamily="34" charset="0"/>
+                <a:cs typeface="Arial" panose="020B0604020202020204" pitchFamily="34" charset="0"/>
+              </a:rPr>
+              <a:t>ưu</a:t>
+            </a:r>
+            <a:r>
+              <a:rPr lang="en-US" dirty="0">
+                <a:latin typeface="Arial" panose="020B0604020202020204" pitchFamily="34" charset="0"/>
+                <a:cs typeface="Arial" panose="020B0604020202020204" pitchFamily="34" charset="0"/>
+              </a:rPr>
+              <a:t> </a:t>
+            </a:r>
+            <a:r>
+              <a:rPr lang="en-US" dirty="0" err="1">
+                <a:latin typeface="Arial" panose="020B0604020202020204" pitchFamily="34" charset="0"/>
+                <a:cs typeface="Arial" panose="020B0604020202020204" pitchFamily="34" charset="0"/>
+              </a:rPr>
+              <a:t>tiên</a:t>
+            </a:r>
+            <a:endParaRPr lang="en-US" dirty="0">
+              <a:latin typeface="Arial" panose="020B0604020202020204" pitchFamily="34" charset="0"/>
+              <a:cs typeface="Arial" panose="020B0604020202020204" pitchFamily="34" charset="0"/>
+            </a:endParaRPr>
+          </a:p>
+          <a:p>
+            <a:pPr marL="0" indent="0">
+              <a:buNone/>
+            </a:pPr>
+            <a:r>
+              <a:rPr lang="en-US" dirty="0">
+                <a:latin typeface="Arial" panose="020B0604020202020204" pitchFamily="34" charset="0"/>
+                <a:cs typeface="Arial" panose="020B0604020202020204" pitchFamily="34" charset="0"/>
+              </a:rPr>
+              <a:t> </a:t>
+            </a:r>
+            <a:r>
+              <a:rPr lang="en-US" dirty="0" err="1">
+                <a:latin typeface="Arial" panose="020B0604020202020204" pitchFamily="34" charset="0"/>
+                <a:cs typeface="Arial" panose="020B0604020202020204" pitchFamily="34" charset="0"/>
+              </a:rPr>
+              <a:t>xuống</a:t>
+            </a:r>
+            <a:r>
+              <a:rPr lang="en-US" dirty="0">
+                <a:latin typeface="Arial" panose="020B0604020202020204" pitchFamily="34" charset="0"/>
+                <a:cs typeface="Arial" panose="020B0604020202020204" pitchFamily="34" charset="0"/>
+              </a:rPr>
+              <a:t> 250</a:t>
+            </a:r>
+          </a:p>
+        </p:txBody>
+      </p:sp>
+      <p:pic>
+        <p:nvPicPr>
+          <p:cNvPr id="8" name="Picture 7">
+            <a:extLst>
+              <a:ext uri="{FF2B5EF4-FFF2-40B4-BE49-F238E27FC236}">
+                <a16:creationId xmlns:a16="http://schemas.microsoft.com/office/drawing/2014/main" id="{9B618E86-4846-E84F-B0CF-7BE87F65B02E}"/>
+              </a:ext>
+            </a:extLst>
+          </p:cNvPr>
+          <p:cNvPicPr>
+            <a:picLocks noChangeAspect="1"/>
+          </p:cNvPicPr>
+          <p:nvPr/>
+        </p:nvPicPr>
+        <p:blipFill>
+          <a:blip r:embed="rId2"/>
+          <a:stretch>
+            <a:fillRect/>
+          </a:stretch>
+        </p:blipFill>
+        <p:spPr>
+          <a:xfrm>
+            <a:off x="5486399" y="2194560"/>
+            <a:ext cx="5057423" cy="4601840"/>
+          </a:xfrm>
+          <a:prstGeom prst="rect">
+            <a:avLst/>
+          </a:prstGeom>
+        </p:spPr>
+      </p:pic>
+    </p:spTree>
+    <p:extLst>
+      <p:ext uri="{BB962C8B-B14F-4D97-AF65-F5344CB8AC3E}">
+        <p14:creationId xmlns:p14="http://schemas.microsoft.com/office/powerpoint/2010/main" val="4061877919"/>
       </p:ext>
     </p:extLst>
   </p:cSld>
